--- a/Data Analytics.pptx
+++ b/Data Analytics.pptx
@@ -107,6 +107,11 @@
       </a:defRPr>
     </a:lvl9pPr>
   </p:defaultTextStyle>
+  <p:extLst>
+    <p:ext uri="{EFAFB233-063F-42B5-8137-9DF3F51BA10A}">
+      <p15:sldGuideLst xmlns:p15="http://schemas.microsoft.com/office/powerpoint/2012/main"/>
+    </p:ext>
+  </p:extLst>
 </p:presentation>
 </file>
 
@@ -2890,7 +2895,7 @@
             <a:fld id="{11A6662E-FAF4-44BC-88B5-85A7CBFB6D30}" type="datetime1">
               <a:rPr lang="en-US" smtClean="0"/>
               <a:pPr/>
-              <a:t>5/2/2021</a:t>
+              <a:t>9/20/2021</a:t>
             </a:fld>
             <a:endParaRPr lang="en-US"/>
           </a:p>
@@ -3101,7 +3106,7 @@
           <a:p>
             <a:fld id="{4C559632-1575-4E14-B53B-3DC3D5ED3947}" type="datetime1">
               <a:rPr lang="en-US" smtClean="0"/>
-              <a:t>5/2/2021</a:t>
+              <a:t>9/20/2021</a:t>
             </a:fld>
             <a:endParaRPr lang="en-US"/>
           </a:p>
@@ -3309,7 +3314,7 @@
           <a:p>
             <a:fld id="{CC4A6868-2568-4CC9-B302-F37117B01A6E}" type="datetime1">
               <a:rPr lang="en-US" smtClean="0"/>
-              <a:t>5/2/2021</a:t>
+              <a:t>9/20/2021</a:t>
             </a:fld>
             <a:endParaRPr lang="en-US"/>
           </a:p>
@@ -3512,7 +3517,7 @@
           <a:p>
             <a:fld id="{0055F08A-1E71-4B2B-BB49-E743F2903911}" type="datetime1">
               <a:rPr lang="en-US" smtClean="0"/>
-              <a:t>5/2/2021</a:t>
+              <a:t>9/20/2021</a:t>
             </a:fld>
             <a:endParaRPr lang="en-US" dirty="0"/>
           </a:p>
@@ -3786,7 +3791,7 @@
           <a:p>
             <a:fld id="{15417D9E-721A-44BB-8863-9873FE64DA75}" type="datetime1">
               <a:rPr lang="en-US" smtClean="0"/>
-              <a:t>5/2/2021</a:t>
+              <a:t>9/20/2021</a:t>
             </a:fld>
             <a:endParaRPr lang="en-US"/>
           </a:p>
@@ -4056,7 +4061,7 @@
           <a:p>
             <a:fld id="{5F31DA2F-80B8-49CF-99FB-5ABCA53A607A}" type="datetime1">
               <a:rPr lang="en-US" smtClean="0"/>
-              <a:t>5/2/2021</a:t>
+              <a:t>9/20/2021</a:t>
             </a:fld>
             <a:endParaRPr lang="en-US"/>
           </a:p>
@@ -4469,7 +4474,7 @@
           <a:p>
             <a:fld id="{28852172-E6C9-4B6C-929A-A9DE3837BBF1}" type="datetime1">
               <a:rPr lang="en-US" smtClean="0"/>
-              <a:t>5/2/2021</a:t>
+              <a:t>9/20/2021</a:t>
             </a:fld>
             <a:endParaRPr lang="en-US"/>
           </a:p>
@@ -4615,7 +4620,7 @@
           <a:p>
             <a:fld id="{3AB41CFF-90C9-47B3-9DA1-F2BF8D839F7E}" type="datetime1">
               <a:rPr lang="en-US" smtClean="0"/>
-              <a:t>5/2/2021</a:t>
+              <a:t>9/20/2021</a:t>
             </a:fld>
             <a:endParaRPr lang="en-US"/>
           </a:p>
@@ -4728,7 +4733,7 @@
           <a:p>
             <a:fld id="{F06048FA-06AB-4884-A69B-986B96E68A24}" type="datetime1">
               <a:rPr lang="en-US" smtClean="0"/>
-              <a:t>5/2/2021</a:t>
+              <a:t>9/20/2021</a:t>
             </a:fld>
             <a:endParaRPr lang="en-US"/>
           </a:p>
@@ -5039,7 +5044,7 @@
           <a:p>
             <a:fld id="{50DB7ABA-0172-4F9C-889D-567164F66BCD}" type="datetime1">
               <a:rPr lang="en-US" smtClean="0"/>
-              <a:t>5/2/2021</a:t>
+              <a:t>9/20/2021</a:t>
             </a:fld>
             <a:endParaRPr lang="en-US"/>
           </a:p>
@@ -5330,7 +5335,7 @@
           <a:p>
             <a:fld id="{78AC6A5B-8AE7-4A41-B5A7-9ADC6686DC18}" type="datetime1">
               <a:rPr lang="en-US" smtClean="0"/>
-              <a:t>5/2/2021</a:t>
+              <a:t>9/20/2021</a:t>
             </a:fld>
             <a:endParaRPr lang="en-US"/>
           </a:p>
@@ -5676,7 +5681,7 @@
             <a:fld id="{57E0CF6C-748E-4B7A-BC8B-3011EF78ED13}" type="datetime1">
               <a:rPr lang="en-US" smtClean="0"/>
               <a:pPr/>
-              <a:t>5/2/2021</a:t>
+              <a:t>9/20/2021</a:t>
             </a:fld>
             <a:endParaRPr lang="en-US" dirty="0"/>
           </a:p>
@@ -6641,7 +6646,7 @@
         <p:spPr>
           <a:xfrm>
             <a:off x="9522069" y="6066624"/>
-            <a:ext cx="2602523" cy="646331"/>
+            <a:ext cx="2602523" cy="369332"/>
           </a:xfrm>
           <a:prstGeom prst="rect">
             <a:avLst/>
@@ -6662,26 +6667,25 @@
                 <a:latin typeface="Times New Roman" panose="02020603050405020304" pitchFamily="18" charset="0"/>
                 <a:cs typeface="Times New Roman" panose="02020603050405020304" pitchFamily="18" charset="0"/>
               </a:rPr>
-              <a:t>By Shailaja Mysugari</a:t>
+              <a:t>By </a:t>
             </a:r>
-          </a:p>
-          <a:p>
             <a:r>
-              <a:rPr lang="en-US" dirty="0" err="1">
+              <a:rPr lang="en-US">
                 <a:solidFill>
                   <a:schemeClr val="bg1"/>
                 </a:solidFill>
+                <a:latin typeface="Times New Roman" panose="02020603050405020304" pitchFamily="18" charset="0"/>
+                <a:cs typeface="Times New Roman" panose="02020603050405020304" pitchFamily="18" charset="0"/>
               </a:rPr>
-              <a:t>Netid</a:t>
+              <a:t>Shailaja Mysugari</a:t>
             </a:r>
-            <a:r>
-              <a:rPr lang="en-US" dirty="0">
-                <a:solidFill>
-                  <a:schemeClr val="bg1"/>
-                </a:solidFill>
-              </a:rPr>
-              <a:t>: nu9755</a:t>
-            </a:r>
+            <a:endParaRPr lang="en-US" dirty="0">
+              <a:solidFill>
+                <a:schemeClr val="bg1"/>
+              </a:solidFill>
+              <a:latin typeface="Times New Roman" panose="02020603050405020304" pitchFamily="18" charset="0"/>
+              <a:cs typeface="Times New Roman" panose="02020603050405020304" pitchFamily="18" charset="0"/>
+            </a:endParaRPr>
           </a:p>
         </p:txBody>
       </p:sp>
